--- a/0528_Graph_representation.pptx
+++ b/0528_Graph_representation.pptx
@@ -264,7 +264,7 @@
           <a:p>
             <a:fld id="{D02CB858-E583-B446-9A99-9B385ABF4AF8}" type="datetimeFigureOut">
               <a:rPr kumimoji="1" lang="zh-CN" altLang="en-US" smtClean="0"/>
-              <a:t>2020/5/29</a:t>
+              <a:t>2020/6/4</a:t>
             </a:fld>
             <a:endParaRPr kumimoji="1" lang="zh-CN" altLang="en-US"/>
           </a:p>
@@ -462,7 +462,7 @@
           <a:p>
             <a:fld id="{D02CB858-E583-B446-9A99-9B385ABF4AF8}" type="datetimeFigureOut">
               <a:rPr kumimoji="1" lang="zh-CN" altLang="en-US" smtClean="0"/>
-              <a:t>2020/5/29</a:t>
+              <a:t>2020/6/4</a:t>
             </a:fld>
             <a:endParaRPr kumimoji="1" lang="zh-CN" altLang="en-US"/>
           </a:p>
@@ -670,7 +670,7 @@
           <a:p>
             <a:fld id="{D02CB858-E583-B446-9A99-9B385ABF4AF8}" type="datetimeFigureOut">
               <a:rPr kumimoji="1" lang="zh-CN" altLang="en-US" smtClean="0"/>
-              <a:t>2020/5/29</a:t>
+              <a:t>2020/6/4</a:t>
             </a:fld>
             <a:endParaRPr kumimoji="1" lang="zh-CN" altLang="en-US"/>
           </a:p>
@@ -868,7 +868,7 @@
           <a:p>
             <a:fld id="{D02CB858-E583-B446-9A99-9B385ABF4AF8}" type="datetimeFigureOut">
               <a:rPr kumimoji="1" lang="zh-CN" altLang="en-US" smtClean="0"/>
-              <a:t>2020/5/29</a:t>
+              <a:t>2020/6/4</a:t>
             </a:fld>
             <a:endParaRPr kumimoji="1" lang="zh-CN" altLang="en-US"/>
           </a:p>
@@ -1143,7 +1143,7 @@
           <a:p>
             <a:fld id="{D02CB858-E583-B446-9A99-9B385ABF4AF8}" type="datetimeFigureOut">
               <a:rPr kumimoji="1" lang="zh-CN" altLang="en-US" smtClean="0"/>
-              <a:t>2020/5/29</a:t>
+              <a:t>2020/6/4</a:t>
             </a:fld>
             <a:endParaRPr kumimoji="1" lang="zh-CN" altLang="en-US"/>
           </a:p>
@@ -1408,7 +1408,7 @@
           <a:p>
             <a:fld id="{D02CB858-E583-B446-9A99-9B385ABF4AF8}" type="datetimeFigureOut">
               <a:rPr kumimoji="1" lang="zh-CN" altLang="en-US" smtClean="0"/>
-              <a:t>2020/5/29</a:t>
+              <a:t>2020/6/4</a:t>
             </a:fld>
             <a:endParaRPr kumimoji="1" lang="zh-CN" altLang="en-US"/>
           </a:p>
@@ -1820,7 +1820,7 @@
           <a:p>
             <a:fld id="{D02CB858-E583-B446-9A99-9B385ABF4AF8}" type="datetimeFigureOut">
               <a:rPr kumimoji="1" lang="zh-CN" altLang="en-US" smtClean="0"/>
-              <a:t>2020/5/29</a:t>
+              <a:t>2020/6/4</a:t>
             </a:fld>
             <a:endParaRPr kumimoji="1" lang="zh-CN" altLang="en-US"/>
           </a:p>
@@ -1961,7 +1961,7 @@
           <a:p>
             <a:fld id="{D02CB858-E583-B446-9A99-9B385ABF4AF8}" type="datetimeFigureOut">
               <a:rPr kumimoji="1" lang="zh-CN" altLang="en-US" smtClean="0"/>
-              <a:t>2020/5/29</a:t>
+              <a:t>2020/6/4</a:t>
             </a:fld>
             <a:endParaRPr kumimoji="1" lang="zh-CN" altLang="en-US"/>
           </a:p>
@@ -2074,7 +2074,7 @@
           <a:p>
             <a:fld id="{D02CB858-E583-B446-9A99-9B385ABF4AF8}" type="datetimeFigureOut">
               <a:rPr kumimoji="1" lang="zh-CN" altLang="en-US" smtClean="0"/>
-              <a:t>2020/5/29</a:t>
+              <a:t>2020/6/4</a:t>
             </a:fld>
             <a:endParaRPr kumimoji="1" lang="zh-CN" altLang="en-US"/>
           </a:p>
@@ -2385,7 +2385,7 @@
           <a:p>
             <a:fld id="{D02CB858-E583-B446-9A99-9B385ABF4AF8}" type="datetimeFigureOut">
               <a:rPr kumimoji="1" lang="zh-CN" altLang="en-US" smtClean="0"/>
-              <a:t>2020/5/29</a:t>
+              <a:t>2020/6/4</a:t>
             </a:fld>
             <a:endParaRPr kumimoji="1" lang="zh-CN" altLang="en-US"/>
           </a:p>
@@ -2673,7 +2673,7 @@
           <a:p>
             <a:fld id="{D02CB858-E583-B446-9A99-9B385ABF4AF8}" type="datetimeFigureOut">
               <a:rPr kumimoji="1" lang="zh-CN" altLang="en-US" smtClean="0"/>
-              <a:t>2020/5/29</a:t>
+              <a:t>2020/6/4</a:t>
             </a:fld>
             <a:endParaRPr kumimoji="1" lang="zh-CN" altLang="en-US"/>
           </a:p>
@@ -2914,7 +2914,7 @@
           <a:p>
             <a:fld id="{D02CB858-E583-B446-9A99-9B385ABF4AF8}" type="datetimeFigureOut">
               <a:rPr kumimoji="1" lang="zh-CN" altLang="en-US" smtClean="0"/>
-              <a:t>2020/5/29</a:t>
+              <a:t>2020/6/4</a:t>
             </a:fld>
             <a:endParaRPr kumimoji="1" lang="zh-CN" altLang="en-US"/>
           </a:p>
@@ -3715,6 +3715,46 @@
           </a:prstGeom>
         </p:spPr>
       </p:pic>
+      <p:sp>
+        <p:nvSpPr>
+          <p:cNvPr id="4" name="矩形 3">
+            <a:extLst>
+              <a:ext uri="{FF2B5EF4-FFF2-40B4-BE49-F238E27FC236}">
+                <a16:creationId xmlns:a16="http://schemas.microsoft.com/office/drawing/2014/main" id="{49C56CBF-B6FB-6149-9BDE-F989E1138A5A}"/>
+              </a:ext>
+            </a:extLst>
+          </p:cNvPr>
+          <p:cNvSpPr/>
+          <p:nvPr/>
+        </p:nvSpPr>
+        <p:spPr>
+          <a:xfrm>
+            <a:off x="838200" y="6123543"/>
+            <a:ext cx="4498347" cy="369332"/>
+          </a:xfrm>
+          <a:prstGeom prst="rect">
+            <a:avLst/>
+          </a:prstGeom>
+        </p:spPr>
+        <p:txBody>
+          <a:bodyPr wrap="none">
+            <a:spAutoFit/>
+          </a:bodyPr>
+          <a:lstStyle/>
+          <a:p>
+            <a:r>
+              <a:rPr lang="en" altLang="zh-CN" dirty="0">
+                <a:solidFill>
+                  <a:srgbClr val="262626"/>
+                </a:solidFill>
+                <a:hlinkClick r:id="rId5"/>
+              </a:rPr>
+              <a:t>http://people.csail.mit.edu/jshun/6886-s18/</a:t>
+            </a:r>
+            <a:endParaRPr lang="zh-CN" altLang="en-US" dirty="0"/>
+          </a:p>
+        </p:txBody>
+      </p:sp>
     </p:spTree>
     <p:extLst>
       <p:ext uri="{BB962C8B-B14F-4D97-AF65-F5344CB8AC3E}">
@@ -7413,6 +7453,52 @@
           </a:prstGeom>
         </p:spPr>
       </p:pic>
+      <p:sp>
+        <p:nvSpPr>
+          <p:cNvPr id="4" name="矩形 3">
+            <a:extLst>
+              <a:ext uri="{FF2B5EF4-FFF2-40B4-BE49-F238E27FC236}">
+                <a16:creationId xmlns:a16="http://schemas.microsoft.com/office/drawing/2014/main" id="{D5F66017-ACF2-A443-8A0A-B9B9510DAE87}"/>
+              </a:ext>
+            </a:extLst>
+          </p:cNvPr>
+          <p:cNvSpPr/>
+          <p:nvPr/>
+        </p:nvSpPr>
+        <p:spPr>
+          <a:xfrm>
+            <a:off x="838199" y="5853797"/>
+            <a:ext cx="10613572" cy="646331"/>
+          </a:xfrm>
+          <a:prstGeom prst="rect">
+            <a:avLst/>
+          </a:prstGeom>
+        </p:spPr>
+        <p:txBody>
+          <a:bodyPr wrap="square">
+            <a:spAutoFit/>
+          </a:bodyPr>
+          <a:lstStyle/>
+          <a:p>
+            <a:r>
+              <a:rPr lang="en" altLang="zh-CN" dirty="0">
+                <a:hlinkClick r:id="rId3"/>
+              </a:rPr>
+              <a:t>https://github.com/RapidsAtHKUST/GraphReorderAndConverter</a:t>
+            </a:r>
+            <a:endParaRPr lang="en" altLang="zh-CN" dirty="0"/>
+          </a:p>
+          <a:p>
+            <a:r>
+              <a:rPr lang="en" altLang="zh-CN" dirty="0">
+                <a:hlinkClick r:id="rId4"/>
+              </a:rPr>
+              <a:t>https://www.cs.cmu.edu/afs/cs/project/pscico-guyb/realworld/www/slidesS18/compression6.pdf</a:t>
+            </a:r>
+            <a:endParaRPr lang="zh-CN" altLang="en-US" dirty="0"/>
+          </a:p>
+        </p:txBody>
+      </p:sp>
     </p:spTree>
     <p:extLst>
       <p:ext uri="{BB962C8B-B14F-4D97-AF65-F5344CB8AC3E}">
